--- a/lectures3/Pythonlearn-01-Intro-PL.pptx
+++ b/lectures3/Pythonlearn-01-Intro-PL.pptx
@@ -951,12 +951,60 @@
               <a:buNone/>
             </a:pPr>
             <a:r>
-              <a:rPr lang="pl" b="0" i="0" u="none" baseline="0">
+              <a:rPr lang="pl" b="0" i="0" u="none" baseline="0" dirty="0">
                 <a:solidFill>
                   <a:schemeClr val="dk2"/>
                 </a:solidFill>
               </a:rPr>
-              <a:t>Notka od Chucka  Używając tych materiałów masz prawo usunąć logo UM i zastąpić je własnym ale zostaw proszę logo CC-BY na pierwszej stronie oraz strony z podziękowaniami dla współtwórców.</a:t>
+              <a:t>Notka od Chucka</a:t>
+            </a:r>
+            <a:r>
+              <a:rPr lang="en-US" b="0" i="0" u="none" baseline="0" dirty="0">
+                <a:solidFill>
+                  <a:schemeClr val="dk2"/>
+                </a:solidFill>
+              </a:rPr>
+              <a:t>:</a:t>
+            </a:r>
+            <a:r>
+              <a:rPr lang="pl" b="0" i="0" u="none" baseline="0" dirty="0">
+                <a:solidFill>
+                  <a:schemeClr val="dk2"/>
+                </a:solidFill>
+              </a:rPr>
+              <a:t> </a:t>
+            </a:r>
+            <a:r>
+              <a:rPr lang="en-US" b="0" i="0" u="none" baseline="0" dirty="0">
+                <a:solidFill>
+                  <a:schemeClr val="dk2"/>
+                </a:solidFill>
+              </a:rPr>
+              <a:t>u</a:t>
+            </a:r>
+            <a:r>
+              <a:rPr lang="pl" b="0" i="0" u="none" baseline="0" dirty="0">
+                <a:solidFill>
+                  <a:schemeClr val="dk2"/>
+                </a:solidFill>
+              </a:rPr>
+              <a:t>żywając tych materiałów masz prawo usunąć logo UM i zastąpić je własnym</a:t>
+            </a:r>
+            <a:r>
+              <a:rPr lang="en-US" b="0" i="0" u="none" baseline="0" dirty="0">
+                <a:solidFill>
+                  <a:schemeClr val="dk2"/>
+                </a:solidFill>
+              </a:rPr>
+              <a:t>,</a:t>
+            </a:r>
+            <a:r>
+              <a:rPr lang="pl" b="0" i="0" u="none" baseline="0" dirty="0">
+                <a:solidFill>
+                  <a:schemeClr val="dk2"/>
+                </a:solidFill>
+              </a:rPr>
+              <a:t> ale zostaw proszę logo CC-BY na pierwszej stronie oraz strony z podziękowaniami dla współtwórców.</a:t>
             </a:r>
             <a:endParaRPr lang="pl" dirty="0">
               <a:solidFill>
@@ -11134,7 +11182,7 @@
               <a:buNone/>
             </a:pPr>
             <a:r>
-              <a:rPr lang="pl" sz="3000" b="0" i="0" u="sng" strike="noStrike" cap="none" baseline="0">
+              <a:rPr lang="pl" sz="3000" b="0" i="0" u="sng" strike="noStrike" cap="none" baseline="0" dirty="0">
                 <a:solidFill>
                   <a:srgbClr val="FFFF00"/>
                 </a:solidFill>
@@ -11144,8 +11192,44 @@
                 <a:sym typeface="Cabin"/>
                 <a:hlinkClick r:id="rId3"/>
               </a:rPr>
-              <a:t>http://upload.wikimedia.org/wikipedia/commons/3/3d/RaspberryPi.jpg</a:t>
-            </a:r>
+              <a:t>http</a:t>
+            </a:r>
+            <a:r>
+              <a:rPr lang="en-US" sz="3000" b="0" i="0" u="sng" strike="noStrike" cap="none" baseline="0" dirty="0">
+                <a:solidFill>
+                  <a:srgbClr val="FFFF00"/>
+                </a:solidFill>
+                <a:latin typeface="Arial" charset="0"/>
+                <a:ea typeface="Arial" charset="0"/>
+                <a:cs typeface="Arial" charset="0"/>
+                <a:sym typeface="Cabin"/>
+                <a:hlinkClick r:id="rId3"/>
+              </a:rPr>
+              <a:t>s</a:t>
+            </a:r>
+            <a:r>
+              <a:rPr lang="pl" sz="3000" b="0" i="0" u="sng" strike="noStrike" cap="none" baseline="0" dirty="0">
+                <a:solidFill>
+                  <a:srgbClr val="FFFF00"/>
+                </a:solidFill>
+                <a:latin typeface="Arial" charset="0"/>
+                <a:ea typeface="Arial" charset="0"/>
+                <a:cs typeface="Arial" charset="0"/>
+                <a:sym typeface="Cabin"/>
+                <a:hlinkClick r:id="rId3"/>
+              </a:rPr>
+              <a:t>://upload.wikimedia.org/wikipedia/commons/3/3d/RaspberryPi.jpg</a:t>
+            </a:r>
+            <a:endParaRPr lang="pl" sz="3000" b="0" i="0" u="sng" strike="noStrike" cap="none" baseline="0" dirty="0">
+              <a:solidFill>
+                <a:srgbClr val="FFFF00"/>
+              </a:solidFill>
+              <a:latin typeface="Arial" charset="0"/>
+              <a:ea typeface="Arial" charset="0"/>
+              <a:cs typeface="Arial" charset="0"/>
+              <a:sym typeface="Cabin"/>
+              <a:hlinkClick r:id="rId4"/>
+            </a:endParaRPr>
           </a:p>
         </p:txBody>
       </p:sp>
@@ -11156,7 +11240,7 @@
           <p:nvPr/>
         </p:nvPicPr>
         <p:blipFill rotWithShape="1">
-          <a:blip r:embed="rId4">
+          <a:blip r:embed="rId5">
             <a:alphaModFix/>
           </a:blip>
           <a:srcRect/>
@@ -12549,7 +12633,7 @@
                 <a:cs typeface="Arial" charset="0"/>
                 <a:sym typeface="Cabin"/>
               </a:rPr>
-              <a:t>  wolniejszy, ale duży i trwały magazyn </a:t>
+              <a:t> wolniejszy, ale duży i trwały magazyn </a:t>
             </a:r>
             <a:r>
               <a:rPr lang="pl" sz="3200" b="0" i="0" u="none" baseline="0" dirty="0">
@@ -15917,7 +16001,7 @@
               <a:buNone/>
             </a:pPr>
             <a:r>
-              <a:rPr lang="pl" sz="3000" b="0" i="0" u="sng" strike="noStrike" cap="none" baseline="0">
+              <a:rPr lang="pl" sz="3000" b="0" i="0" u="sng" strike="noStrike" cap="none" baseline="0" dirty="0">
                 <a:solidFill>
                   <a:srgbClr val="FFFF00"/>
                 </a:solidFill>
@@ -15927,8 +16011,44 @@
                 <a:sym typeface="Cabin"/>
                 <a:hlinkClick r:id="rId3"/>
               </a:rPr>
-              <a:t>http://www.youtube.com/watch?v=y39D4529FM4</a:t>
-            </a:r>
+              <a:t>http</a:t>
+            </a:r>
+            <a:r>
+              <a:rPr lang="en-US" sz="3000" b="0" i="0" u="sng" strike="noStrike" cap="none" baseline="0" dirty="0">
+                <a:solidFill>
+                  <a:srgbClr val="FFFF00"/>
+                </a:solidFill>
+                <a:latin typeface="Arial" charset="0"/>
+                <a:ea typeface="Arial" charset="0"/>
+                <a:cs typeface="Arial" charset="0"/>
+                <a:sym typeface="Cabin"/>
+                <a:hlinkClick r:id="rId3"/>
+              </a:rPr>
+              <a:t>s</a:t>
+            </a:r>
+            <a:r>
+              <a:rPr lang="pl" sz="3000" b="0" i="0" u="sng" strike="noStrike" cap="none" baseline="0" dirty="0">
+                <a:solidFill>
+                  <a:srgbClr val="FFFF00"/>
+                </a:solidFill>
+                <a:latin typeface="Arial" charset="0"/>
+                <a:ea typeface="Arial" charset="0"/>
+                <a:cs typeface="Arial" charset="0"/>
+                <a:sym typeface="Cabin"/>
+                <a:hlinkClick r:id="rId3"/>
+              </a:rPr>
+              <a:t>://www.youtube.com/watch?v=y39D4529FM4</a:t>
+            </a:r>
+            <a:endParaRPr lang="pl" sz="3000" b="0" i="0" u="sng" strike="noStrike" cap="none" baseline="0" dirty="0">
+              <a:solidFill>
+                <a:srgbClr val="FFFF00"/>
+              </a:solidFill>
+              <a:latin typeface="Arial" charset="0"/>
+              <a:ea typeface="Arial" charset="0"/>
+              <a:cs typeface="Arial" charset="0"/>
+              <a:sym typeface="Cabin"/>
+              <a:hlinkClick r:id="rId4"/>
+            </a:endParaRPr>
           </a:p>
         </p:txBody>
       </p:sp>
@@ -15939,7 +16059,7 @@
           <p:nvPr/>
         </p:nvPicPr>
         <p:blipFill rotWithShape="1">
-          <a:blip r:embed="rId4">
+          <a:blip r:embed="rId5">
             <a:alphaModFix/>
           </a:blip>
           <a:srcRect/>
@@ -15977,7 +16097,7 @@
             </a:avLst>
           </a:prstGeom>
           <a:blipFill rotWithShape="1">
-            <a:blip r:embed="rId5">
+            <a:blip r:embed="rId6">
               <a:alphaModFix/>
             </a:blip>
             <a:tile tx="0" ty="0" sx="100000" sy="100000" flip="none" algn="tl"/>
@@ -16216,7 +16336,7 @@
               <a:buNone/>
             </a:pPr>
             <a:r>
-              <a:rPr lang="pl" sz="3000" b="0" i="0" u="sng" strike="noStrike" cap="none" baseline="0">
+              <a:rPr lang="pl" sz="3000" b="0" i="0" u="sng" strike="noStrike" cap="none" baseline="0" dirty="0">
                 <a:solidFill>
                   <a:srgbClr val="FFFF00"/>
                 </a:solidFill>
@@ -16226,8 +16346,44 @@
                 <a:sym typeface="Cabin"/>
                 <a:hlinkClick r:id="rId4"/>
               </a:rPr>
-              <a:t>http://www.youtube.com/watch?v=9eMWG3fwiEU</a:t>
-            </a:r>
+              <a:t>http</a:t>
+            </a:r>
+            <a:r>
+              <a:rPr lang="en-US" sz="3000" b="0" i="0" u="sng" strike="noStrike" cap="none" baseline="0" dirty="0">
+                <a:solidFill>
+                  <a:srgbClr val="FFFF00"/>
+                </a:solidFill>
+                <a:latin typeface="Arial" charset="0"/>
+                <a:ea typeface="Arial" charset="0"/>
+                <a:cs typeface="Arial" charset="0"/>
+                <a:sym typeface="Cabin"/>
+                <a:hlinkClick r:id="rId4"/>
+              </a:rPr>
+              <a:t>s</a:t>
+            </a:r>
+            <a:r>
+              <a:rPr lang="pl" sz="3000" b="0" i="0" u="sng" strike="noStrike" cap="none" baseline="0" dirty="0">
+                <a:solidFill>
+                  <a:srgbClr val="FFFF00"/>
+                </a:solidFill>
+                <a:latin typeface="Arial" charset="0"/>
+                <a:ea typeface="Arial" charset="0"/>
+                <a:cs typeface="Arial" charset="0"/>
+                <a:sym typeface="Cabin"/>
+                <a:hlinkClick r:id="rId4"/>
+              </a:rPr>
+              <a:t>://www.youtube.com/watch?v=9eMWG3fwiEU</a:t>
+            </a:r>
+            <a:endParaRPr lang="pl" sz="3000" b="0" i="0" u="sng" strike="noStrike" cap="none" baseline="0" dirty="0">
+              <a:solidFill>
+                <a:srgbClr val="FFFF00"/>
+              </a:solidFill>
+              <a:latin typeface="Arial" charset="0"/>
+              <a:ea typeface="Arial" charset="0"/>
+              <a:cs typeface="Arial" charset="0"/>
+              <a:sym typeface="Cabin"/>
+              <a:hlinkClick r:id="rId5"/>
+            </a:endParaRPr>
           </a:p>
         </p:txBody>
       </p:sp>
@@ -16381,7 +16537,7 @@
               <a:buNone/>
             </a:pPr>
             <a:r>
-              <a:rPr lang="pl" sz="3000" b="0" i="0" u="none" strike="noStrike" cap="none" baseline="0">
+              <a:rPr lang="pl" sz="3000" b="0" i="0" u="none" strike="noStrike" cap="none" baseline="0" dirty="0">
                 <a:solidFill>
                   <a:srgbClr val="FFFF00"/>
                 </a:solidFill>
@@ -16389,12 +16545,11 @@
                 <a:ea typeface="Arial" charset="0"/>
                 <a:cs typeface="Arial" charset="0"/>
                 <a:sym typeface="Cabin"/>
-                <a:hlinkClick r:id="rId3"/>
               </a:rPr>
               <a:t>na podstawie: </a:t>
             </a:r>
             <a:r>
-              <a:rPr lang="pl" sz="3000" b="0" i="0" u="sng" strike="noStrike" cap="none" baseline="0">
+              <a:rPr lang="pl" sz="3000" b="0" i="0" u="sng" strike="noStrike" cap="none" baseline="0" dirty="0">
                 <a:solidFill>
                   <a:srgbClr val="FFFF00"/>
                 </a:solidFill>
@@ -18260,6 +18415,18 @@
               <a:buNone/>
             </a:pPr>
             <a:r>
+              <a:rPr lang="en-US" sz="3600" b="0" i="0" u="none" strike="noStrike" cap="none" baseline="0" dirty="0">
+                <a:solidFill>
+                  <a:srgbClr val="FFFF00"/>
+                </a:solidFill>
+                <a:latin typeface="Arial" charset="0"/>
+                <a:ea typeface="Arial" charset="0"/>
+                <a:cs typeface="Arial" charset="0"/>
+                <a:sym typeface="Cabin"/>
+              </a:rPr>
+              <a:t>Jest t</a:t>
+            </a:r>
+            <a:r>
               <a:rPr lang="pl" sz="3600" b="0" i="0" u="none" strike="noStrike" cap="none" baseline="0" dirty="0">
                 <a:solidFill>
                   <a:srgbClr val="FFFF00"/>
@@ -18269,7 +18436,7 @@
                 <a:cs typeface="Arial" charset="0"/>
                 <a:sym typeface="Cabin"/>
               </a:rPr>
-              <a:t>To dobry test, żeby potwierdzić, że masz poprawnie zainstalowanego Pythona. Zwróć uwagę, że quit() też kończy sesję interaktywną.</a:t>
+              <a:t>o dobry test, żeby potwierdzić, że masz poprawnie zainstalowanego Pythona. Zwróć uwagę, że quit() też kończy sesję interaktywną.</a:t>
             </a:r>
           </a:p>
         </p:txBody>
@@ -30984,7 +31151,7 @@
                 <a:cs typeface="Arial" charset="0"/>
                 <a:sym typeface="Cabin"/>
               </a:rPr>
-              <a:t> to ich trzeba zadowolić, zwykle wtedy nam płacą.  Ale dane, informacje i sieci to nasz problem, który musimy za nich rozwiązać. Sprzęt i oprogramowanie są w tym zadaniu naszymi przyjaciółmi i sprzymierzeńcami.</a:t>
+              <a:t> to ich trzeba zadowolić, zwykle wtedy nam płacą. Ale dane, informacje i sieci to nasz problem, który musimy za nich rozwiązać. Sprzęt i oprogramowanie są w tym zadaniu naszymi przyjaciółmi i sprzymierzeńcami.</a:t>
             </a:r>
           </a:p>
         </p:txBody>
@@ -31380,7 +31547,55 @@
                 <a:cs typeface="Arial" charset="0"/>
                 <a:sym typeface="Cabin"/>
               </a:rPr>
-              <a:t>Czym jest kod? Oprogramowanie? Program?</a:t>
+              <a:t>Czym jest kod? Oprogramowanie</a:t>
+            </a:r>
+            <a:r>
+              <a:rPr lang="en-US" sz="6000" b="0" i="0" u="none" strike="noStrike" cap="none" baseline="0" dirty="0">
+                <a:solidFill>
+                  <a:srgbClr val="FFD966"/>
+                </a:solidFill>
+                <a:latin typeface="Arial" charset="0"/>
+                <a:ea typeface="Arial" charset="0"/>
+                <a:cs typeface="Arial" charset="0"/>
+                <a:sym typeface="Cabin"/>
+              </a:rPr>
+              <a:t>m</a:t>
+            </a:r>
+            <a:r>
+              <a:rPr lang="pl" sz="6000" b="0" i="0" u="none" strike="noStrike" cap="none" baseline="0" dirty="0">
+                <a:solidFill>
+                  <a:srgbClr val="FFD966"/>
+                </a:solidFill>
+                <a:latin typeface="Arial" charset="0"/>
+                <a:ea typeface="Arial" charset="0"/>
+                <a:cs typeface="Arial" charset="0"/>
+                <a:sym typeface="Cabin"/>
+              </a:rPr>
+              <a:t>? Program</a:t>
+            </a:r>
+            <a:r>
+              <a:rPr lang="en-US" sz="6000" b="0" i="0" u="none" strike="noStrike" cap="none" baseline="0" dirty="0" err="1">
+                <a:solidFill>
+                  <a:srgbClr val="FFD966"/>
+                </a:solidFill>
+                <a:latin typeface="Arial" charset="0"/>
+                <a:ea typeface="Arial" charset="0"/>
+                <a:cs typeface="Arial" charset="0"/>
+                <a:sym typeface="Cabin"/>
+              </a:rPr>
+              <a:t>em</a:t>
+            </a:r>
+            <a:r>
+              <a:rPr lang="pl" sz="6000" b="0" i="0" u="none" strike="noStrike" cap="none" baseline="0" dirty="0">
+                <a:solidFill>
+                  <a:srgbClr val="FFD966"/>
+                </a:solidFill>
+                <a:latin typeface="Arial" charset="0"/>
+                <a:ea typeface="Arial" charset="0"/>
+                <a:cs typeface="Arial" charset="0"/>
+                <a:sym typeface="Cabin"/>
+              </a:rPr>
+              <a:t>?</a:t>
             </a:r>
           </a:p>
         </p:txBody>
